--- a/docs/Architecture.pptx
+++ b/docs/Architecture.pptx
@@ -261,7 +261,7 @@
           <a:p>
             <a:fld id="{C3E7F28E-B87E-43C3-AFD2-AB5F5FEAA12B}" type="datetimeFigureOut">
               <a:rPr lang="en-CA" smtClean="0"/>
-              <a:t>2020-08-09</a:t>
+              <a:t>2020-09-26</a:t>
             </a:fld>
             <a:endParaRPr lang="en-CA"/>
           </a:p>
@@ -461,7 +461,7 @@
           <a:p>
             <a:fld id="{C3E7F28E-B87E-43C3-AFD2-AB5F5FEAA12B}" type="datetimeFigureOut">
               <a:rPr lang="en-CA" smtClean="0"/>
-              <a:t>2020-08-09</a:t>
+              <a:t>2020-09-26</a:t>
             </a:fld>
             <a:endParaRPr lang="en-CA"/>
           </a:p>
@@ -671,7 +671,7 @@
           <a:p>
             <a:fld id="{C3E7F28E-B87E-43C3-AFD2-AB5F5FEAA12B}" type="datetimeFigureOut">
               <a:rPr lang="en-CA" smtClean="0"/>
-              <a:t>2020-08-09</a:t>
+              <a:t>2020-09-26</a:t>
             </a:fld>
             <a:endParaRPr lang="en-CA"/>
           </a:p>
@@ -871,7 +871,7 @@
           <a:p>
             <a:fld id="{C3E7F28E-B87E-43C3-AFD2-AB5F5FEAA12B}" type="datetimeFigureOut">
               <a:rPr lang="en-CA" smtClean="0"/>
-              <a:t>2020-08-09</a:t>
+              <a:t>2020-09-26</a:t>
             </a:fld>
             <a:endParaRPr lang="en-CA"/>
           </a:p>
@@ -1147,7 +1147,7 @@
           <a:p>
             <a:fld id="{C3E7F28E-B87E-43C3-AFD2-AB5F5FEAA12B}" type="datetimeFigureOut">
               <a:rPr lang="en-CA" smtClean="0"/>
-              <a:t>2020-08-09</a:t>
+              <a:t>2020-09-26</a:t>
             </a:fld>
             <a:endParaRPr lang="en-CA"/>
           </a:p>
@@ -1415,7 +1415,7 @@
           <a:p>
             <a:fld id="{C3E7F28E-B87E-43C3-AFD2-AB5F5FEAA12B}" type="datetimeFigureOut">
               <a:rPr lang="en-CA" smtClean="0"/>
-              <a:t>2020-08-09</a:t>
+              <a:t>2020-09-26</a:t>
             </a:fld>
             <a:endParaRPr lang="en-CA"/>
           </a:p>
@@ -1830,7 +1830,7 @@
           <a:p>
             <a:fld id="{C3E7F28E-B87E-43C3-AFD2-AB5F5FEAA12B}" type="datetimeFigureOut">
               <a:rPr lang="en-CA" smtClean="0"/>
-              <a:t>2020-08-09</a:t>
+              <a:t>2020-09-26</a:t>
             </a:fld>
             <a:endParaRPr lang="en-CA"/>
           </a:p>
@@ -1972,7 +1972,7 @@
           <a:p>
             <a:fld id="{C3E7F28E-B87E-43C3-AFD2-AB5F5FEAA12B}" type="datetimeFigureOut">
               <a:rPr lang="en-CA" smtClean="0"/>
-              <a:t>2020-08-09</a:t>
+              <a:t>2020-09-26</a:t>
             </a:fld>
             <a:endParaRPr lang="en-CA"/>
           </a:p>
@@ -2085,7 +2085,7 @@
           <a:p>
             <a:fld id="{C3E7F28E-B87E-43C3-AFD2-AB5F5FEAA12B}" type="datetimeFigureOut">
               <a:rPr lang="en-CA" smtClean="0"/>
-              <a:t>2020-08-09</a:t>
+              <a:t>2020-09-26</a:t>
             </a:fld>
             <a:endParaRPr lang="en-CA"/>
           </a:p>
@@ -2398,7 +2398,7 @@
           <a:p>
             <a:fld id="{C3E7F28E-B87E-43C3-AFD2-AB5F5FEAA12B}" type="datetimeFigureOut">
               <a:rPr lang="en-CA" smtClean="0"/>
-              <a:t>2020-08-09</a:t>
+              <a:t>2020-09-26</a:t>
             </a:fld>
             <a:endParaRPr lang="en-CA"/>
           </a:p>
@@ -2687,7 +2687,7 @@
           <a:p>
             <a:fld id="{C3E7F28E-B87E-43C3-AFD2-AB5F5FEAA12B}" type="datetimeFigureOut">
               <a:rPr lang="en-CA" smtClean="0"/>
-              <a:t>2020-08-09</a:t>
+              <a:t>2020-09-26</a:t>
             </a:fld>
             <a:endParaRPr lang="en-CA"/>
           </a:p>
@@ -2930,7 +2930,7 @@
           <a:p>
             <a:fld id="{C3E7F28E-B87E-43C3-AFD2-AB5F5FEAA12B}" type="datetimeFigureOut">
               <a:rPr lang="en-CA" smtClean="0"/>
-              <a:t>2020-08-09</a:t>
+              <a:t>2020-09-26</a:t>
             </a:fld>
             <a:endParaRPr lang="en-CA"/>
           </a:p>
@@ -3374,7 +3374,7 @@
         </p:blipFill>
         <p:spPr bwMode="auto">
           <a:xfrm>
-            <a:off x="1618652" y="941587"/>
+            <a:off x="2061714" y="979281"/>
             <a:ext cx="697074" cy="720000"/>
           </a:xfrm>
           <a:prstGeom prst="rect">
@@ -3392,80 +3392,6 @@
           </a:extLst>
         </p:spPr>
       </p:pic>
-      <p:sp>
-        <p:nvSpPr>
-          <p:cNvPr id="4" name="TextBox 3">
-            <a:extLst>
-              <a:ext uri="{FF2B5EF4-FFF2-40B4-BE49-F238E27FC236}">
-                <a16:creationId xmlns:a16="http://schemas.microsoft.com/office/drawing/2014/main" id="{1A080798-B66A-4949-9E15-724FDE499E18}"/>
-              </a:ext>
-            </a:extLst>
-          </p:cNvPr>
-          <p:cNvSpPr txBox="1"/>
-          <p:nvPr/>
-        </p:nvSpPr>
-        <p:spPr>
-          <a:xfrm>
-            <a:off x="1618652" y="1619668"/>
-            <a:ext cx="681784" cy="369332"/>
-          </a:xfrm>
-          <a:prstGeom prst="rect">
-            <a:avLst/>
-          </a:prstGeom>
-          <a:noFill/>
-        </p:spPr>
-        <p:txBody>
-          <a:bodyPr wrap="square" rtlCol="0">
-            <a:spAutoFit/>
-          </a:bodyPr>
-          <a:lstStyle/>
-          <a:p>
-            <a:pPr algn="ctr"/>
-            <a:r>
-              <a:rPr lang="en-US" dirty="0"/>
-              <a:t>FTP</a:t>
-            </a:r>
-            <a:endParaRPr lang="en-CA" dirty="0"/>
-          </a:p>
-        </p:txBody>
-      </p:sp>
-      <p:sp>
-        <p:nvSpPr>
-          <p:cNvPr id="9" name="TextBox 8">
-            <a:extLst>
-              <a:ext uri="{FF2B5EF4-FFF2-40B4-BE49-F238E27FC236}">
-                <a16:creationId xmlns:a16="http://schemas.microsoft.com/office/drawing/2014/main" id="{6FA02C2F-32DB-4A89-BAE5-832684A2EE48}"/>
-              </a:ext>
-            </a:extLst>
-          </p:cNvPr>
-          <p:cNvSpPr txBox="1"/>
-          <p:nvPr/>
-        </p:nvSpPr>
-        <p:spPr>
-          <a:xfrm>
-            <a:off x="1618652" y="3059668"/>
-            <a:ext cx="681784" cy="369332"/>
-          </a:xfrm>
-          <a:prstGeom prst="rect">
-            <a:avLst/>
-          </a:prstGeom>
-          <a:noFill/>
-        </p:spPr>
-        <p:txBody>
-          <a:bodyPr wrap="square" rtlCol="0">
-            <a:spAutoFit/>
-          </a:bodyPr>
-          <a:lstStyle/>
-          <a:p>
-            <a:pPr algn="ctr"/>
-            <a:r>
-              <a:rPr lang="en-US" dirty="0"/>
-              <a:t>API</a:t>
-            </a:r>
-            <a:endParaRPr lang="en-CA" dirty="0"/>
-          </a:p>
-        </p:txBody>
-      </p:sp>
       <p:pic>
         <p:nvPicPr>
           <p:cNvPr id="1032" name="Picture 8" descr="How to Evaluate AWS RDS Pricing and Features - ParkMyCloud">
@@ -3495,7 +3421,7 @@
         </p:blipFill>
         <p:spPr bwMode="auto">
           <a:xfrm>
-            <a:off x="4420138" y="1661587"/>
+            <a:off x="4863200" y="1699281"/>
             <a:ext cx="1440000" cy="900000"/>
           </a:xfrm>
           <a:prstGeom prst="rect">
@@ -3513,91 +3439,6 @@
           </a:extLst>
         </p:spPr>
       </p:pic>
-      <p:cxnSp>
-        <p:nvCxnSpPr>
-          <p:cNvPr id="19" name="Connector: Elbow 18">
-            <a:extLst>
-              <a:ext uri="{FF2B5EF4-FFF2-40B4-BE49-F238E27FC236}">
-                <a16:creationId xmlns:a16="http://schemas.microsoft.com/office/drawing/2014/main" id="{CB043E37-82A3-4E1E-8CBB-1B6F51C98F8C}"/>
-              </a:ext>
-            </a:extLst>
-          </p:cNvPr>
-          <p:cNvCxnSpPr>
-            <a:stCxn id="1026" idx="3"/>
-            <a:endCxn id="1032" idx="1"/>
-          </p:cNvCxnSpPr>
-          <p:nvPr/>
-        </p:nvCxnSpPr>
-        <p:spPr>
-          <a:xfrm>
-            <a:off x="2315726" y="1301587"/>
-            <a:ext cx="2104412" cy="810000"/>
-          </a:xfrm>
-          <a:prstGeom prst="bentConnector3">
-            <a:avLst/>
-          </a:prstGeom>
-          <a:ln>
-            <a:headEnd type="triangle"/>
-            <a:tailEnd type="triangle"/>
-          </a:ln>
-        </p:spPr>
-        <p:style>
-          <a:lnRef idx="1">
-            <a:schemeClr val="accent1"/>
-          </a:lnRef>
-          <a:fillRef idx="0">
-            <a:schemeClr val="accent1"/>
-          </a:fillRef>
-          <a:effectRef idx="0">
-            <a:schemeClr val="accent1"/>
-          </a:effectRef>
-          <a:fontRef idx="minor">
-            <a:schemeClr val="tx1"/>
-          </a:fontRef>
-        </p:style>
-      </p:cxnSp>
-      <p:cxnSp>
-        <p:nvCxnSpPr>
-          <p:cNvPr id="21" name="Connector: Elbow 20">
-            <a:extLst>
-              <a:ext uri="{FF2B5EF4-FFF2-40B4-BE49-F238E27FC236}">
-                <a16:creationId xmlns:a16="http://schemas.microsoft.com/office/drawing/2014/main" id="{9245B012-2255-45C5-B027-8621BBB166CF}"/>
-              </a:ext>
-            </a:extLst>
-          </p:cNvPr>
-          <p:cNvCxnSpPr>
-            <a:endCxn id="1032" idx="1"/>
-          </p:cNvCxnSpPr>
-          <p:nvPr/>
-        </p:nvCxnSpPr>
-        <p:spPr>
-          <a:xfrm flipV="1">
-            <a:off x="2338652" y="2111587"/>
-            <a:ext cx="2081486" cy="588081"/>
-          </a:xfrm>
-          <a:prstGeom prst="bentConnector3">
-            <a:avLst/>
-          </a:prstGeom>
-          <a:ln>
-            <a:headEnd type="triangle"/>
-            <a:tailEnd type="triangle"/>
-          </a:ln>
-        </p:spPr>
-        <p:style>
-          <a:lnRef idx="1">
-            <a:schemeClr val="accent1"/>
-          </a:lnRef>
-          <a:fillRef idx="0">
-            <a:schemeClr val="accent1"/>
-          </a:fillRef>
-          <a:effectRef idx="0">
-            <a:schemeClr val="accent1"/>
-          </a:effectRef>
-          <a:fontRef idx="minor">
-            <a:schemeClr val="tx1"/>
-          </a:fontRef>
-        </p:style>
-      </p:cxnSp>
       <p:pic>
         <p:nvPicPr>
           <p:cNvPr id="1036" name="Picture 12" descr="Redis Labs and Heroku Partner | Redis Labs">
@@ -3625,7 +3466,7 @@
         </p:blipFill>
         <p:spPr bwMode="auto">
           <a:xfrm>
-            <a:off x="7222953" y="1661587"/>
+            <a:off x="7666015" y="1699281"/>
             <a:ext cx="757015" cy="900000"/>
           </a:xfrm>
           <a:prstGeom prst="rect">
@@ -3660,7 +3501,7 @@
         </p:nvCxnSpPr>
         <p:spPr>
           <a:xfrm>
-            <a:off x="5860138" y="2111587"/>
+            <a:off x="6303200" y="2149281"/>
             <a:ext cx="1362815" cy="0"/>
           </a:xfrm>
           <a:prstGeom prst="straightConnector1">
@@ -3685,145 +3526,6 @@
           </a:fontRef>
         </p:style>
       </p:cxnSp>
-      <p:pic>
-        <p:nvPicPr>
-          <p:cNvPr id="1038" name="Picture 14">
-            <a:extLst>
-              <a:ext uri="{FF2B5EF4-FFF2-40B4-BE49-F238E27FC236}">
-                <a16:creationId xmlns:a16="http://schemas.microsoft.com/office/drawing/2014/main" id="{ED2447FD-EFDD-4CE5-BF65-85FAAAD3BD57}"/>
-              </a:ext>
-            </a:extLst>
-          </p:cNvPr>
-          <p:cNvPicPr>
-            <a:picLocks noChangeAspect="1" noChangeArrowheads="1"/>
-          </p:cNvPicPr>
-          <p:nvPr/>
-        </p:nvPicPr>
-        <p:blipFill rotWithShape="1">
-          <a:blip r:embed="rId5">
-            <a:extLst>
-              <a:ext uri="{28A0092B-C50C-407E-A947-70E740481C1C}">
-                <a14:useLocalDpi xmlns:a14="http://schemas.microsoft.com/office/drawing/2010/main" val="0"/>
-              </a:ext>
-            </a:extLst>
-          </a:blip>
-          <a:srcRect t="34921" b="34252"/>
-          <a:stretch/>
-        </p:blipFill>
-        <p:spPr bwMode="auto">
-          <a:xfrm>
-            <a:off x="7027814" y="3249000"/>
-            <a:ext cx="1167825" cy="360000"/>
-          </a:xfrm>
-          <a:prstGeom prst="rect">
-            <a:avLst/>
-          </a:prstGeom>
-          <a:noFill/>
-          <a:extLst>
-            <a:ext uri="{909E8E84-426E-40DD-AFC4-6F175D3DCCD1}">
-              <a14:hiddenFill xmlns:a14="http://schemas.microsoft.com/office/drawing/2010/main">
-                <a:solidFill>
-                  <a:srgbClr val="FFFFFF"/>
-                </a:solidFill>
-              </a14:hiddenFill>
-            </a:ext>
-          </a:extLst>
-        </p:spPr>
-      </p:pic>
-      <p:pic>
-        <p:nvPicPr>
-          <p:cNvPr id="1040" name="Picture 16" descr="Images and Logos — Dask 2.21.0+15.g26e722f0.dirty documentation">
-            <a:extLst>
-              <a:ext uri="{FF2B5EF4-FFF2-40B4-BE49-F238E27FC236}">
-                <a16:creationId xmlns:a16="http://schemas.microsoft.com/office/drawing/2014/main" id="{D163EF6D-3331-47A4-9951-B186CA3BFB11}"/>
-              </a:ext>
-            </a:extLst>
-          </p:cNvPr>
-          <p:cNvPicPr>
-            <a:picLocks noChangeAspect="1" noChangeArrowheads="1"/>
-          </p:cNvPicPr>
-          <p:nvPr/>
-        </p:nvPicPr>
-        <p:blipFill>
-          <a:blip r:embed="rId6">
-            <a:extLst>
-              <a:ext uri="{28A0092B-C50C-407E-A947-70E740481C1C}">
-                <a14:useLocalDpi xmlns:a14="http://schemas.microsoft.com/office/drawing/2010/main" val="0"/>
-              </a:ext>
-            </a:extLst>
-          </a:blip>
-          <a:srcRect/>
-          <a:stretch>
-            <a:fillRect/>
-          </a:stretch>
-        </p:blipFill>
-        <p:spPr bwMode="auto">
-          <a:xfrm>
-            <a:off x="7027812" y="3609000"/>
-            <a:ext cx="1080000" cy="437507"/>
-          </a:xfrm>
-          <a:prstGeom prst="rect">
-            <a:avLst/>
-          </a:prstGeom>
-          <a:noFill/>
-          <a:extLst>
-            <a:ext uri="{909E8E84-426E-40DD-AFC4-6F175D3DCCD1}">
-              <a14:hiddenFill xmlns:a14="http://schemas.microsoft.com/office/drawing/2010/main">
-                <a:solidFill>
-                  <a:srgbClr val="FFFFFF"/>
-                </a:solidFill>
-              </a14:hiddenFill>
-            </a:ext>
-          </a:extLst>
-        </p:spPr>
-      </p:pic>
-      <p:pic>
-        <p:nvPicPr>
-          <p:cNvPr id="1042" name="Picture 18" descr="Altair: Declarative Visualization in Python — Altair 4.1.0 ...">
-            <a:extLst>
-              <a:ext uri="{FF2B5EF4-FFF2-40B4-BE49-F238E27FC236}">
-                <a16:creationId xmlns:a16="http://schemas.microsoft.com/office/drawing/2014/main" id="{8400C1A8-1A13-4FE6-8C1C-B74C16691D65}"/>
-              </a:ext>
-            </a:extLst>
-          </p:cNvPr>
-          <p:cNvPicPr>
-            <a:picLocks noChangeAspect="1" noChangeArrowheads="1"/>
-          </p:cNvPicPr>
-          <p:nvPr/>
-        </p:nvPicPr>
-        <p:blipFill>
-          <a:blip r:embed="rId7">
-            <a:extLst>
-              <a:ext uri="{28A0092B-C50C-407E-A947-70E740481C1C}">
-                <a14:useLocalDpi xmlns:a14="http://schemas.microsoft.com/office/drawing/2010/main" val="0"/>
-              </a:ext>
-            </a:extLst>
-          </a:blip>
-          <a:srcRect/>
-          <a:stretch>
-            <a:fillRect/>
-          </a:stretch>
-        </p:blipFill>
-        <p:spPr bwMode="auto">
-          <a:xfrm>
-            <a:off x="7341726" y="3989365"/>
-            <a:ext cx="540000" cy="540000"/>
-          </a:xfrm>
-          <a:prstGeom prst="rect">
-            <a:avLst/>
-          </a:prstGeom>
-          <a:noFill/>
-          <a:extLst>
-            <a:ext uri="{909E8E84-426E-40DD-AFC4-6F175D3DCCD1}">
-              <a14:hiddenFill xmlns:a14="http://schemas.microsoft.com/office/drawing/2010/main">
-                <a:solidFill>
-                  <a:srgbClr val="FFFFFF"/>
-                </a:solidFill>
-              </a14:hiddenFill>
-            </a:ext>
-          </a:extLst>
-        </p:spPr>
-      </p:pic>
       <p:cxnSp>
         <p:nvCxnSpPr>
           <p:cNvPr id="27" name="Straight Arrow Connector 26">
@@ -3834,15 +3536,16 @@
             </a:extLst>
           </p:cNvPr>
           <p:cNvCxnSpPr>
-            <a:stCxn id="1038" idx="0"/>
+            <a:cxnSpLocks/>
+            <a:stCxn id="24" idx="0"/>
             <a:endCxn id="1036" idx="2"/>
           </p:cNvCxnSpPr>
           <p:nvPr/>
         </p:nvCxnSpPr>
         <p:spPr>
           <a:xfrm flipH="1" flipV="1">
-            <a:off x="7601461" y="2561587"/>
-            <a:ext cx="10266" cy="687413"/>
+            <a:off x="8044523" y="2599281"/>
+            <a:ext cx="9426" cy="777665"/>
           </a:xfrm>
           <a:prstGeom prst="straightConnector1">
             <a:avLst/>
@@ -3896,18 +3599,133 @@
           <a:p>
             <a:r>
               <a:rPr lang="en-US" dirty="0"/>
-              <a:t>Proposed Architecture</a:t>
+              <a:t>Application Architecture</a:t>
             </a:r>
             <a:endParaRPr lang="en-CA" dirty="0"/>
           </a:p>
         </p:txBody>
       </p:sp>
+      <p:grpSp>
+        <p:nvGrpSpPr>
+          <p:cNvPr id="8" name="Group 7">
+            <a:extLst>
+              <a:ext uri="{FF2B5EF4-FFF2-40B4-BE49-F238E27FC236}">
+                <a16:creationId xmlns:a16="http://schemas.microsoft.com/office/drawing/2014/main" id="{4551BD4D-A03E-4DBB-A021-F9368B29DE6F}"/>
+              </a:ext>
+            </a:extLst>
+          </p:cNvPr>
+          <p:cNvGrpSpPr/>
+          <p:nvPr/>
+        </p:nvGrpSpPr>
+        <p:grpSpPr>
+          <a:xfrm>
+            <a:off x="884635" y="3862281"/>
+            <a:ext cx="1874153" cy="627938"/>
+            <a:chOff x="999853" y="4746414"/>
+            <a:chExt cx="3695700" cy="1238250"/>
+          </a:xfrm>
+        </p:grpSpPr>
+        <p:pic>
+          <p:nvPicPr>
+            <p:cNvPr id="1028" name="Picture 4" descr="Global Temperature and Salinity Profile Programme">
+              <a:extLst>
+                <a:ext uri="{FF2B5EF4-FFF2-40B4-BE49-F238E27FC236}">
+                  <a16:creationId xmlns:a16="http://schemas.microsoft.com/office/drawing/2014/main" id="{967C58F6-1E76-4D95-9506-7D268C4A2B5C}"/>
+                </a:ext>
+              </a:extLst>
+            </p:cNvPr>
+            <p:cNvPicPr>
+              <a:picLocks noChangeAspect="1" noChangeArrowheads="1"/>
+            </p:cNvPicPr>
+            <p:nvPr/>
+          </p:nvPicPr>
+          <p:blipFill>
+            <a:blip r:embed="rId5">
+              <a:extLst>
+                <a:ext uri="{28A0092B-C50C-407E-A947-70E740481C1C}">
+                  <a14:useLocalDpi xmlns:a14="http://schemas.microsoft.com/office/drawing/2010/main" val="0"/>
+                </a:ext>
+              </a:extLst>
+            </a:blip>
+            <a:srcRect/>
+            <a:stretch>
+              <a:fillRect/>
+            </a:stretch>
+          </p:blipFill>
+          <p:spPr bwMode="auto">
+            <a:xfrm>
+              <a:off x="999853" y="4746414"/>
+              <a:ext cx="3695700" cy="1238250"/>
+            </a:xfrm>
+            <a:prstGeom prst="rect">
+              <a:avLst/>
+            </a:prstGeom>
+            <a:noFill/>
+            <a:extLst>
+              <a:ext uri="{909E8E84-426E-40DD-AFC4-6F175D3DCCD1}">
+                <a14:hiddenFill xmlns:a14="http://schemas.microsoft.com/office/drawing/2010/main">
+                  <a:solidFill>
+                    <a:srgbClr val="FFFFFF"/>
+                  </a:solidFill>
+                </a14:hiddenFill>
+              </a:ext>
+            </a:extLst>
+          </p:spPr>
+        </p:pic>
+        <p:pic>
+          <p:nvPicPr>
+            <p:cNvPr id="5" name="Picture 2" descr="GTSPP banner image">
+              <a:extLst>
+                <a:ext uri="{FF2B5EF4-FFF2-40B4-BE49-F238E27FC236}">
+                  <a16:creationId xmlns:a16="http://schemas.microsoft.com/office/drawing/2014/main" id="{2EBA25BF-275A-4E91-83D5-CEE39855F8E9}"/>
+                </a:ext>
+              </a:extLst>
+            </p:cNvPr>
+            <p:cNvPicPr>
+              <a:picLocks noChangeAspect="1" noChangeArrowheads="1"/>
+            </p:cNvPicPr>
+            <p:nvPr/>
+          </p:nvPicPr>
+          <p:blipFill>
+            <a:blip r:embed="rId6">
+              <a:extLst>
+                <a:ext uri="{28A0092B-C50C-407E-A947-70E740481C1C}">
+                  <a14:useLocalDpi xmlns:a14="http://schemas.microsoft.com/office/drawing/2010/main" val="0"/>
+                </a:ext>
+              </a:extLst>
+            </a:blip>
+            <a:srcRect/>
+            <a:stretch>
+              <a:fillRect/>
+            </a:stretch>
+          </p:blipFill>
+          <p:spPr bwMode="auto">
+            <a:xfrm>
+              <a:off x="1037561" y="4747599"/>
+              <a:ext cx="1954530" cy="1234440"/>
+            </a:xfrm>
+            <a:prstGeom prst="rect">
+              <a:avLst/>
+            </a:prstGeom>
+            <a:noFill/>
+            <a:extLst>
+              <a:ext uri="{909E8E84-426E-40DD-AFC4-6F175D3DCCD1}">
+                <a14:hiddenFill xmlns:a14="http://schemas.microsoft.com/office/drawing/2010/main">
+                  <a:solidFill>
+                    <a:srgbClr val="FFFFFF"/>
+                  </a:solidFill>
+                </a14:hiddenFill>
+              </a:ext>
+            </a:extLst>
+          </p:spPr>
+        </p:pic>
+      </p:grpSp>
       <p:pic>
         <p:nvPicPr>
-          <p:cNvPr id="2" name="Picture 2" descr="government-of-canada-logo – Copy – Quebec Writers' Federation">
-            <a:extLst>
-              <a:ext uri="{FF2B5EF4-FFF2-40B4-BE49-F238E27FC236}">
-                <a16:creationId xmlns:a16="http://schemas.microsoft.com/office/drawing/2014/main" id="{EC8A4AF7-9A25-4F9C-8D11-A14369A02696}"/>
+          <p:cNvPr id="1030" name="Picture 6" descr="DFO Notices - Island Fisherman Magazine">
+            <a:extLst>
+              <a:ext uri="{FF2B5EF4-FFF2-40B4-BE49-F238E27FC236}">
+                <a16:creationId xmlns:a16="http://schemas.microsoft.com/office/drawing/2014/main" id="{29C034F7-86F2-476A-A78E-7E9F554AD9C7}"/>
               </a:ext>
             </a:extLst>
           </p:cNvPr>
@@ -3917,20 +3735,20 @@
           <p:nvPr/>
         </p:nvPicPr>
         <p:blipFill rotWithShape="1">
-          <a:blip r:embed="rId8">
+          <a:blip r:embed="rId7">
             <a:extLst>
               <a:ext uri="{28A0092B-C50C-407E-A947-70E740481C1C}">
                 <a14:useLocalDpi xmlns:a14="http://schemas.microsoft.com/office/drawing/2010/main" val="0"/>
               </a:ext>
             </a:extLst>
           </a:blip>
-          <a:srcRect l="7812" t="13399" r="11255" b="16512"/>
+          <a:srcRect l="18393" t="11574" r="17576" b="9283"/>
           <a:stretch/>
         </p:blipFill>
         <p:spPr bwMode="auto">
           <a:xfrm>
-            <a:off x="879227" y="2353112"/>
-            <a:ext cx="1440000" cy="627937"/>
+            <a:off x="782749" y="2477744"/>
+            <a:ext cx="1960749" cy="727048"/>
           </a:xfrm>
           <a:prstGeom prst="rect">
             <a:avLst/>
@@ -3947,6 +3765,272 @@
           </a:extLst>
         </p:spPr>
       </p:pic>
+      <p:cxnSp>
+        <p:nvCxnSpPr>
+          <p:cNvPr id="13" name="Connector: Elbow 12">
+            <a:extLst>
+              <a:ext uri="{FF2B5EF4-FFF2-40B4-BE49-F238E27FC236}">
+                <a16:creationId xmlns:a16="http://schemas.microsoft.com/office/drawing/2014/main" id="{1BAFCC70-82BC-4501-8108-053C85094F0E}"/>
+              </a:ext>
+            </a:extLst>
+          </p:cNvPr>
+          <p:cNvCxnSpPr>
+            <a:stCxn id="1026" idx="3"/>
+            <a:endCxn id="1032" idx="1"/>
+          </p:cNvCxnSpPr>
+          <p:nvPr/>
+        </p:nvCxnSpPr>
+        <p:spPr>
+          <a:xfrm>
+            <a:off x="2758788" y="1339281"/>
+            <a:ext cx="2104412" cy="810000"/>
+          </a:xfrm>
+          <a:prstGeom prst="bentConnector3">
+            <a:avLst/>
+          </a:prstGeom>
+          <a:ln>
+            <a:tailEnd type="triangle"/>
+          </a:ln>
+        </p:spPr>
+        <p:style>
+          <a:lnRef idx="1">
+            <a:schemeClr val="accent1"/>
+          </a:lnRef>
+          <a:fillRef idx="0">
+            <a:schemeClr val="accent1"/>
+          </a:fillRef>
+          <a:effectRef idx="0">
+            <a:schemeClr val="accent1"/>
+          </a:effectRef>
+          <a:fontRef idx="minor">
+            <a:schemeClr val="tx1"/>
+          </a:fontRef>
+        </p:style>
+      </p:cxnSp>
+      <p:cxnSp>
+        <p:nvCxnSpPr>
+          <p:cNvPr id="29" name="Connector: Elbow 28">
+            <a:extLst>
+              <a:ext uri="{FF2B5EF4-FFF2-40B4-BE49-F238E27FC236}">
+                <a16:creationId xmlns:a16="http://schemas.microsoft.com/office/drawing/2014/main" id="{CA0DD831-1C3A-4285-A0C1-60A4A1D162C0}"/>
+              </a:ext>
+            </a:extLst>
+          </p:cNvPr>
+          <p:cNvCxnSpPr>
+            <a:cxnSpLocks/>
+            <a:stCxn id="1030" idx="3"/>
+            <a:endCxn id="1032" idx="1"/>
+          </p:cNvCxnSpPr>
+          <p:nvPr/>
+        </p:nvCxnSpPr>
+        <p:spPr>
+          <a:xfrm flipV="1">
+            <a:off x="2743498" y="2149281"/>
+            <a:ext cx="2119702" cy="691987"/>
+          </a:xfrm>
+          <a:prstGeom prst="bentConnector3">
+            <a:avLst>
+              <a:gd name="adj1" fmla="val 50889"/>
+            </a:avLst>
+          </a:prstGeom>
+          <a:ln>
+            <a:tailEnd type="triangle"/>
+          </a:ln>
+        </p:spPr>
+        <p:style>
+          <a:lnRef idx="1">
+            <a:schemeClr val="accent1"/>
+          </a:lnRef>
+          <a:fillRef idx="0">
+            <a:schemeClr val="accent1"/>
+          </a:fillRef>
+          <a:effectRef idx="0">
+            <a:schemeClr val="accent1"/>
+          </a:effectRef>
+          <a:fontRef idx="minor">
+            <a:schemeClr val="tx1"/>
+          </a:fontRef>
+        </p:style>
+      </p:cxnSp>
+      <p:cxnSp>
+        <p:nvCxnSpPr>
+          <p:cNvPr id="30" name="Connector: Elbow 29">
+            <a:extLst>
+              <a:ext uri="{FF2B5EF4-FFF2-40B4-BE49-F238E27FC236}">
+                <a16:creationId xmlns:a16="http://schemas.microsoft.com/office/drawing/2014/main" id="{8CA2F4E0-16F4-4F2C-96A3-7F68506985B5}"/>
+              </a:ext>
+            </a:extLst>
+          </p:cNvPr>
+          <p:cNvCxnSpPr>
+            <a:cxnSpLocks/>
+            <a:stCxn id="1028" idx="3"/>
+            <a:endCxn id="1032" idx="1"/>
+          </p:cNvCxnSpPr>
+          <p:nvPr/>
+        </p:nvCxnSpPr>
+        <p:spPr>
+          <a:xfrm flipV="1">
+            <a:off x="2758788" y="2149281"/>
+            <a:ext cx="2104412" cy="2026969"/>
+          </a:xfrm>
+          <a:prstGeom prst="bentConnector3">
+            <a:avLst>
+              <a:gd name="adj1" fmla="val 50000"/>
+            </a:avLst>
+          </a:prstGeom>
+          <a:ln>
+            <a:tailEnd type="triangle"/>
+          </a:ln>
+        </p:spPr>
+        <p:style>
+          <a:lnRef idx="1">
+            <a:schemeClr val="accent1"/>
+          </a:lnRef>
+          <a:fillRef idx="0">
+            <a:schemeClr val="accent1"/>
+          </a:fillRef>
+          <a:effectRef idx="0">
+            <a:schemeClr val="accent1"/>
+          </a:effectRef>
+          <a:fontRef idx="minor">
+            <a:schemeClr val="tx1"/>
+          </a:fontRef>
+        </p:style>
+      </p:cxnSp>
+      <p:pic>
+        <p:nvPicPr>
+          <p:cNvPr id="24" name="Picture 8" descr="Plotly - Wikipedia">
+            <a:extLst>
+              <a:ext uri="{FF2B5EF4-FFF2-40B4-BE49-F238E27FC236}">
+                <a16:creationId xmlns:a16="http://schemas.microsoft.com/office/drawing/2014/main" id="{60483E91-7703-4317-8B6C-A70C98CB91EC}"/>
+              </a:ext>
+            </a:extLst>
+          </p:cNvPr>
+          <p:cNvPicPr>
+            <a:picLocks noChangeAspect="1" noChangeArrowheads="1"/>
+          </p:cNvPicPr>
+          <p:nvPr/>
+        </p:nvPicPr>
+        <p:blipFill>
+          <a:blip r:embed="rId8">
+            <a:extLst>
+              <a:ext uri="{28A0092B-C50C-407E-A947-70E740481C1C}">
+                <a14:useLocalDpi xmlns:a14="http://schemas.microsoft.com/office/drawing/2010/main" val="0"/>
+              </a:ext>
+            </a:extLst>
+          </a:blip>
+          <a:srcRect/>
+          <a:stretch>
+            <a:fillRect/>
+          </a:stretch>
+        </p:blipFill>
+        <p:spPr bwMode="auto">
+          <a:xfrm>
+            <a:off x="7216243" y="3376946"/>
+            <a:ext cx="1675411" cy="558917"/>
+          </a:xfrm>
+          <a:prstGeom prst="rect">
+            <a:avLst/>
+          </a:prstGeom>
+          <a:noFill/>
+          <a:extLst>
+            <a:ext uri="{909E8E84-426E-40DD-AFC4-6F175D3DCCD1}">
+              <a14:hiddenFill xmlns:a14="http://schemas.microsoft.com/office/drawing/2010/main">
+                <a:solidFill>
+                  <a:srgbClr val="FFFFFF"/>
+                </a:solidFill>
+              </a14:hiddenFill>
+            </a:ext>
+          </a:extLst>
+        </p:spPr>
+      </p:pic>
+      <p:pic>
+        <p:nvPicPr>
+          <p:cNvPr id="1034" name="Picture 10" descr="How to auto-sync update from one Github repository">
+            <a:extLst>
+              <a:ext uri="{FF2B5EF4-FFF2-40B4-BE49-F238E27FC236}">
+                <a16:creationId xmlns:a16="http://schemas.microsoft.com/office/drawing/2014/main" id="{A85DD649-D325-413D-99F8-0DB4A767B45F}"/>
+              </a:ext>
+            </a:extLst>
+          </p:cNvPr>
+          <p:cNvPicPr>
+            <a:picLocks noChangeAspect="1" noChangeArrowheads="1"/>
+          </p:cNvPicPr>
+          <p:nvPr/>
+        </p:nvPicPr>
+        <p:blipFill rotWithShape="1">
+          <a:blip r:embed="rId9">
+            <a:extLst>
+              <a:ext uri="{28A0092B-C50C-407E-A947-70E740481C1C}">
+                <a14:useLocalDpi xmlns:a14="http://schemas.microsoft.com/office/drawing/2010/main" val="0"/>
+              </a:ext>
+            </a:extLst>
+          </a:blip>
+          <a:srcRect l="18169" r="13055"/>
+          <a:stretch/>
+        </p:blipFill>
+        <p:spPr bwMode="auto">
+          <a:xfrm>
+            <a:off x="9614109" y="1689799"/>
+            <a:ext cx="1138964" cy="914400"/>
+          </a:xfrm>
+          <a:prstGeom prst="rect">
+            <a:avLst/>
+          </a:prstGeom>
+          <a:noFill/>
+          <a:extLst>
+            <a:ext uri="{909E8E84-426E-40DD-AFC4-6F175D3DCCD1}">
+              <a14:hiddenFill xmlns:a14="http://schemas.microsoft.com/office/drawing/2010/main">
+                <a:solidFill>
+                  <a:srgbClr val="FFFFFF"/>
+                </a:solidFill>
+              </a14:hiddenFill>
+            </a:ext>
+          </a:extLst>
+        </p:spPr>
+      </p:pic>
+      <p:cxnSp>
+        <p:nvCxnSpPr>
+          <p:cNvPr id="32" name="Straight Arrow Connector 31">
+            <a:extLst>
+              <a:ext uri="{FF2B5EF4-FFF2-40B4-BE49-F238E27FC236}">
+                <a16:creationId xmlns:a16="http://schemas.microsoft.com/office/drawing/2014/main" id="{6FAABE33-EA24-476E-AE5B-501A5806C894}"/>
+              </a:ext>
+            </a:extLst>
+          </p:cNvPr>
+          <p:cNvCxnSpPr>
+            <a:stCxn id="1034" idx="1"/>
+            <a:endCxn id="1036" idx="3"/>
+          </p:cNvCxnSpPr>
+          <p:nvPr/>
+        </p:nvCxnSpPr>
+        <p:spPr>
+          <a:xfrm flipH="1">
+            <a:off x="8423030" y="2146999"/>
+            <a:ext cx="1191079" cy="2282"/>
+          </a:xfrm>
+          <a:prstGeom prst="straightConnector1">
+            <a:avLst/>
+          </a:prstGeom>
+          <a:ln>
+            <a:tailEnd type="triangle"/>
+          </a:ln>
+        </p:spPr>
+        <p:style>
+          <a:lnRef idx="1">
+            <a:schemeClr val="accent1"/>
+          </a:lnRef>
+          <a:fillRef idx="0">
+            <a:schemeClr val="accent1"/>
+          </a:fillRef>
+          <a:effectRef idx="0">
+            <a:schemeClr val="accent1"/>
+          </a:effectRef>
+          <a:fontRef idx="minor">
+            <a:schemeClr val="tx1"/>
+          </a:fontRef>
+        </p:style>
+      </p:cxnSp>
     </p:spTree>
     <p:extLst>
       <p:ext uri="{BB962C8B-B14F-4D97-AF65-F5344CB8AC3E}">

--- a/docs/Architecture.pptx
+++ b/docs/Architecture.pptx
@@ -4010,6 +4010,161 @@
             <a:ext cx="1191079" cy="2282"/>
           </a:xfrm>
           <a:prstGeom prst="straightConnector1">
+            <a:avLst/>
+          </a:prstGeom>
+          <a:ln>
+            <a:tailEnd type="triangle"/>
+          </a:ln>
+        </p:spPr>
+        <p:style>
+          <a:lnRef idx="1">
+            <a:schemeClr val="accent1"/>
+          </a:lnRef>
+          <a:fillRef idx="0">
+            <a:schemeClr val="accent1"/>
+          </a:fillRef>
+          <a:effectRef idx="0">
+            <a:schemeClr val="accent1"/>
+          </a:effectRef>
+          <a:fontRef idx="minor">
+            <a:schemeClr val="tx1"/>
+          </a:fontRef>
+        </p:style>
+      </p:cxnSp>
+      <p:graphicFrame>
+        <p:nvGraphicFramePr>
+          <p:cNvPr id="2" name="Table 2">
+            <a:extLst>
+              <a:ext uri="{FF2B5EF4-FFF2-40B4-BE49-F238E27FC236}">
+                <a16:creationId xmlns:a16="http://schemas.microsoft.com/office/drawing/2014/main" id="{133B7D26-A473-4044-A3D4-7ABCD7FDB18A}"/>
+              </a:ext>
+            </a:extLst>
+          </p:cNvPr>
+          <p:cNvGraphicFramePr>
+            <a:graphicFrameLocks noGrp="1"/>
+          </p:cNvGraphicFramePr>
+          <p:nvPr>
+            <p:extLst>
+              <p:ext uri="{D42A27DB-BD31-4B8C-83A1-F6EECF244321}">
+                <p14:modId xmlns:p14="http://schemas.microsoft.com/office/powerpoint/2010/main" val="594966340"/>
+              </p:ext>
+            </p:extLst>
+          </p:nvPr>
+        </p:nvGraphicFramePr>
+        <p:xfrm>
+          <a:off x="5997041" y="4708719"/>
+          <a:ext cx="1536673" cy="914400"/>
+        </p:xfrm>
+        <a:graphic>
+          <a:graphicData uri="http://schemas.openxmlformats.org/drawingml/2006/table">
+            <a:tbl>
+              <a:tblPr firstRow="1" bandRow="1">
+                <a:tableStyleId>{F2DE63D5-997A-4646-A377-4702673A728D}</a:tableStyleId>
+              </a:tblPr>
+              <a:tblGrid>
+                <a:gridCol w="1536673">
+                  <a:extLst>
+                    <a:ext uri="{9D8B030D-6E8A-4147-A177-3AD203B41FA5}">
+                      <a16:colId xmlns:a16="http://schemas.microsoft.com/office/drawing/2014/main" val="2853455804"/>
+                    </a:ext>
+                  </a:extLst>
+                </a:gridCol>
+              </a:tblGrid>
+              <a:tr h="276644">
+                <a:tc>
+                  <a:txBody>
+                    <a:bodyPr/>
+                    <a:lstStyle/>
+                    <a:p>
+                      <a:r>
+                        <a:rPr lang="en-US" sz="1400" dirty="0"/>
+                        <a:t>Tables</a:t>
+                      </a:r>
+                      <a:endParaRPr lang="en-CA" sz="1400" dirty="0"/>
+                    </a:p>
+                  </a:txBody>
+                  <a:tcPr>
+                    <a:solidFill>
+                      <a:schemeClr val="tx2">
+                        <a:lumMod val="75000"/>
+                      </a:schemeClr>
+                    </a:solidFill>
+                  </a:tcPr>
+                </a:tc>
+                <a:extLst>
+                  <a:ext uri="{0D108BD9-81ED-4DB2-BD59-A6C34878D82A}">
+                    <a16:rowId xmlns:a16="http://schemas.microsoft.com/office/drawing/2014/main" val="1454203698"/>
+                  </a:ext>
+                </a:extLst>
+              </a:tr>
+              <a:tr h="276644">
+                <a:tc>
+                  <a:txBody>
+                    <a:bodyPr/>
+                    <a:lstStyle/>
+                    <a:p>
+                      <a:r>
+                        <a:rPr lang="en-US" sz="1400" dirty="0" err="1"/>
+                        <a:t>ocean_data</a:t>
+                      </a:r>
+                      <a:endParaRPr lang="en-CA" sz="1400" dirty="0"/>
+                    </a:p>
+                  </a:txBody>
+                  <a:tcPr/>
+                </a:tc>
+                <a:extLst>
+                  <a:ext uri="{0D108BD9-81ED-4DB2-BD59-A6C34878D82A}">
+                    <a16:rowId xmlns:a16="http://schemas.microsoft.com/office/drawing/2014/main" val="1790686296"/>
+                  </a:ext>
+                </a:extLst>
+              </a:tr>
+              <a:tr h="276644">
+                <a:tc>
+                  <a:txBody>
+                    <a:bodyPr/>
+                    <a:lstStyle/>
+                    <a:p>
+                      <a:r>
+                        <a:rPr lang="en-US" sz="1400" dirty="0" err="1"/>
+                        <a:t>fish_data</a:t>
+                      </a:r>
+                      <a:endParaRPr lang="en-CA" sz="1400" dirty="0"/>
+                    </a:p>
+                  </a:txBody>
+                  <a:tcPr/>
+                </a:tc>
+                <a:extLst>
+                  <a:ext uri="{0D108BD9-81ED-4DB2-BD59-A6C34878D82A}">
+                    <a16:rowId xmlns:a16="http://schemas.microsoft.com/office/drawing/2014/main" val="1319978407"/>
+                  </a:ext>
+                </a:extLst>
+              </a:tr>
+            </a:tbl>
+          </a:graphicData>
+        </a:graphic>
+      </p:graphicFrame>
+      <p:cxnSp>
+        <p:nvCxnSpPr>
+          <p:cNvPr id="19" name="Straight Arrow Connector 18">
+            <a:extLst>
+              <a:ext uri="{FF2B5EF4-FFF2-40B4-BE49-F238E27FC236}">
+                <a16:creationId xmlns:a16="http://schemas.microsoft.com/office/drawing/2014/main" id="{5FA3A3BD-250F-4814-8E7A-D473519F810E}"/>
+              </a:ext>
+            </a:extLst>
+          </p:cNvPr>
+          <p:cNvCxnSpPr>
+            <a:cxnSpLocks/>
+            <a:stCxn id="1032" idx="2"/>
+            <a:endCxn id="2" idx="1"/>
+          </p:cNvCxnSpPr>
+          <p:nvPr/>
+        </p:nvCxnSpPr>
+        <p:spPr>
+          <a:xfrm rot="16200000" flipH="1">
+            <a:off x="4506801" y="3675679"/>
+            <a:ext cx="2566638" cy="413841"/>
+          </a:xfrm>
+          <a:prstGeom prst="bentConnector2">
             <a:avLst/>
           </a:prstGeom>
           <a:ln>
